--- a/Smart Bin.pptx
+++ b/Smart Bin.pptx
@@ -3368,7 +3368,7 @@
           <a:p>
             <a:r>
               <a:rPr lang="en-US" sz="1400" dirty="0" smtClean="0"/>
-              <a:t>In the search text box data can be search for any given area. Resultant data gets mapped to all fragment. Here no need to initiate same search query on each fragment. To get back the data related to current location, refresh button is provided</a:t>
+              <a:t>In the search text box data can be search for any given area. Resultant data gets mapped to all fragment. Here no need to initiate same search query on each fragment. To get back all data related to current location, refresh button is provided</a:t>
             </a:r>
             <a:endParaRPr lang="en-US" sz="1400" dirty="0"/>
           </a:p>
@@ -3569,7 +3569,7 @@
           <a:p>
             <a:r>
               <a:rPr lang="en-US" dirty="0" smtClean="0"/>
-              <a:t>Refresh button help to refresh data best on current location</a:t>
+              <a:t>Refresh button help to refresh data based on current location</a:t>
             </a:r>
             <a:endParaRPr lang="en-US" dirty="0"/>
           </a:p>
@@ -3749,7 +3749,7 @@
           <a:p>
             <a:r>
               <a:rPr lang="en-US" dirty="0" smtClean="0"/>
-              <a:t>We can search data for any other location</a:t>
+              <a:t>We can search data for any given location</a:t>
             </a:r>
             <a:endParaRPr lang="en-US" dirty="0"/>
           </a:p>
@@ -3886,7 +3886,7 @@
           <a:graphicData uri="http://schemas.openxmlformats.org/presentationml/2006/ole">
             <mc:AlternateContent xmlns:mc="http://schemas.openxmlformats.org/markup-compatibility/2006">
               <mc:Choice xmlns:v="urn:schemas-microsoft-com:vml" Requires="v">
-                <p:oleObj spid="_x0000_s2062" name="Packager Shell Object" showAsIcon="1" r:id="rId4" imgW="944280" imgH="394560" progId="Package">
+                <p:oleObj spid="_x0000_s2068" name="Packager Shell Object" showAsIcon="1" r:id="rId4" imgW="944280" imgH="394560" progId="Package">
                   <p:embed/>
                 </p:oleObj>
               </mc:Choice>
@@ -4008,7 +4008,7 @@
           <p:nvPr/>
         </p:nvPicPr>
         <p:blipFill>
-          <a:blip r:embed="rId2"/>
+          <a:blip r:embed="rId3"/>
           <a:stretch>
             <a:fillRect/>
           </a:stretch>
@@ -4115,6 +4115,93 @@
               <a:t>Week tab</a:t>
             </a:r>
             <a:endParaRPr lang="en-US" sz="2000" b="1" dirty="0"/>
+          </a:p>
+        </p:txBody>
+      </p:sp>
+      <p:graphicFrame>
+        <p:nvGraphicFramePr>
+          <p:cNvPr id="2" name="Object 1"/>
+          <p:cNvGraphicFramePr>
+            <a:graphicFrameLocks noChangeAspect="1"/>
+          </p:cNvGraphicFramePr>
+          <p:nvPr>
+            <p:extLst>
+              <p:ext uri="{D42A27DB-BD31-4B8C-83A1-F6EECF244321}">
+                <p14:modId xmlns:p14="http://schemas.microsoft.com/office/powerpoint/2010/main" val="2295496652"/>
+              </p:ext>
+            </p:extLst>
+          </p:nvPr>
+        </p:nvGraphicFramePr>
+        <p:xfrm>
+          <a:off x="9445925" y="5136250"/>
+          <a:ext cx="1593190" cy="893613"/>
+        </p:xfrm>
+        <a:graphic>
+          <a:graphicData uri="http://schemas.openxmlformats.org/presentationml/2006/ole">
+            <mc:AlternateContent xmlns:mc="http://schemas.openxmlformats.org/markup-compatibility/2006">
+              <mc:Choice xmlns:v="urn:schemas-microsoft-com:vml" Requires="v">
+                <p:oleObj spid="_x0000_s3077" name="Packager Shell Object" showAsIcon="1" r:id="rId4" imgW="788040" imgH="394560" progId="Package">
+                  <p:embed/>
+                </p:oleObj>
+              </mc:Choice>
+              <mc:Fallback>
+                <p:oleObj name="Packager Shell Object" showAsIcon="1" r:id="rId4" imgW="788040" imgH="394560" progId="Package">
+                  <p:embed/>
+                  <p:pic>
+                    <p:nvPicPr>
+                      <p:cNvPr id="0" name=""/>
+                      <p:cNvPicPr/>
+                      <p:nvPr/>
+                    </p:nvPicPr>
+                    <p:blipFill>
+                      <a:blip r:embed="rId5"/>
+                      <a:stretch>
+                        <a:fillRect/>
+                      </a:stretch>
+                    </p:blipFill>
+                    <p:spPr>
+                      <a:xfrm>
+                        <a:off x="9445925" y="5136250"/>
+                        <a:ext cx="1593190" cy="893613"/>
+                      </a:xfrm>
+                      <a:prstGeom prst="rect">
+                        <a:avLst/>
+                      </a:prstGeom>
+                    </p:spPr>
+                  </p:pic>
+                </p:oleObj>
+              </mc:Fallback>
+            </mc:AlternateContent>
+          </a:graphicData>
+        </a:graphic>
+      </p:graphicFrame>
+      <p:sp>
+        <p:nvSpPr>
+          <p:cNvPr id="4" name="TextBox 3"/>
+          <p:cNvSpPr txBox="1"/>
+          <p:nvPr/>
+        </p:nvSpPr>
+        <p:spPr>
+          <a:xfrm>
+            <a:off x="8724271" y="4408422"/>
+            <a:ext cx="3036498" cy="646331"/>
+          </a:xfrm>
+          <a:prstGeom prst="rect">
+            <a:avLst/>
+          </a:prstGeom>
+          <a:noFill/>
+        </p:spPr>
+        <p:txBody>
+          <a:bodyPr wrap="square" rtlCol="0">
+            <a:spAutoFit/>
+          </a:bodyPr>
+          <a:lstStyle/>
+          <a:p>
+            <a:r>
+              <a:rPr lang="en-US" dirty="0" smtClean="0"/>
+              <a:t>Script to get the data within given date range for any Bin Id</a:t>
+            </a:r>
+            <a:endParaRPr lang="en-US" dirty="0"/>
           </a:p>
         </p:txBody>
       </p:sp>
@@ -4728,7 +4815,7 @@
             </a:r>
             <a:r>
               <a:rPr lang="en-US" sz="1200" dirty="0" smtClean="0"/>
-              <a:t>After loading the fragments idea is </a:t>
+              <a:t>After loading the fragments, idea is </a:t>
             </a:r>
             <a:r>
               <a:rPr lang="en-US" sz="1200" dirty="0"/>
@@ -4736,7 +4823,7 @@
             </a:r>
             <a:r>
               <a:rPr lang="en-US" sz="1200" dirty="0" smtClean="0"/>
-              <a:t> to show markers only and not route as if some users are not be interested to routes, and just want to see there locations on map they can without waiting for route plotting</a:t>
+              <a:t> to show markers only and not route as if some users are not interested to routes, and just want to see there locations on map, they can without waiting for route plotting</a:t>
             </a:r>
             <a:endParaRPr lang="en-US" sz="1200" dirty="0"/>
           </a:p>
@@ -4958,7 +5045,7 @@
           <a:graphicData uri="http://schemas.openxmlformats.org/presentationml/2006/ole">
             <mc:AlternateContent xmlns:mc="http://schemas.openxmlformats.org/markup-compatibility/2006">
               <mc:Choice xmlns:v="urn:schemas-microsoft-com:vml" Requires="v">
-                <p:oleObj spid="_x0000_s1037" name="Packager Shell Object" showAsIcon="1" r:id="rId6" imgW="886320" imgH="394560" progId="Package">
+                <p:oleObj spid="_x0000_s1043" name="Packager Shell Object" showAsIcon="1" r:id="rId6" imgW="886320" imgH="394560" progId="Package">
                   <p:embed/>
                 </p:oleObj>
               </mc:Choice>
